--- a/游戏世界观.pptx
+++ b/游戏世界观.pptx
@@ -200,7 +200,7 @@
           <a:p>
             <a:fld id="{D2A48B96-639E-45A3-A0BA-2464DFDB1FAA}" type="datetimeFigureOut">
               <a:rPr lang="zh-CN" altLang="en-US" smtClean="0"/>
-              <a:t>2017/8/22</a:t>
+              <a:t>2017/8/30</a:t>
             </a:fld>
             <a:endParaRPr lang="zh-CN" altLang="en-US"/>
           </a:p>
@@ -599,7 +599,7 @@
           <a:p>
             <a:fld id="{D997B5FA-0921-464F-AAE1-844C04324D75}" type="datetimeFigureOut">
               <a:rPr lang="zh-CN" altLang="en-US" smtClean="0"/>
-              <a:t>2017/8/22</a:t>
+              <a:t>2017/8/30</a:t>
             </a:fld>
             <a:endParaRPr lang="zh-CN" altLang="en-US"/>
           </a:p>
@@ -768,7 +768,7 @@
           <a:p>
             <a:fld id="{D997B5FA-0921-464F-AAE1-844C04324D75}" type="datetimeFigureOut">
               <a:rPr lang="zh-CN" altLang="en-US" smtClean="0"/>
-              <a:t>2017/8/22</a:t>
+              <a:t>2017/8/30</a:t>
             </a:fld>
             <a:endParaRPr lang="zh-CN" altLang="en-US"/>
           </a:p>
@@ -947,7 +947,7 @@
           <a:p>
             <a:fld id="{D997B5FA-0921-464F-AAE1-844C04324D75}" type="datetimeFigureOut">
               <a:rPr lang="zh-CN" altLang="en-US" smtClean="0"/>
-              <a:t>2017/8/22</a:t>
+              <a:t>2017/8/30</a:t>
             </a:fld>
             <a:endParaRPr lang="zh-CN" altLang="en-US"/>
           </a:p>
@@ -1116,7 +1116,7 @@
           <a:p>
             <a:fld id="{D997B5FA-0921-464F-AAE1-844C04324D75}" type="datetimeFigureOut">
               <a:rPr lang="zh-CN" altLang="en-US" smtClean="0"/>
-              <a:t>2017/8/22</a:t>
+              <a:t>2017/8/30</a:t>
             </a:fld>
             <a:endParaRPr lang="zh-CN" altLang="en-US"/>
           </a:p>
@@ -1361,7 +1361,7 @@
           <a:p>
             <a:fld id="{D997B5FA-0921-464F-AAE1-844C04324D75}" type="datetimeFigureOut">
               <a:rPr lang="zh-CN" altLang="en-US" smtClean="0"/>
-              <a:t>2017/8/22</a:t>
+              <a:t>2017/8/30</a:t>
             </a:fld>
             <a:endParaRPr lang="zh-CN" altLang="en-US"/>
           </a:p>
@@ -1592,7 +1592,7 @@
           <a:p>
             <a:fld id="{D997B5FA-0921-464F-AAE1-844C04324D75}" type="datetimeFigureOut">
               <a:rPr lang="zh-CN" altLang="en-US" smtClean="0"/>
-              <a:t>2017/8/22</a:t>
+              <a:t>2017/8/30</a:t>
             </a:fld>
             <a:endParaRPr lang="zh-CN" altLang="en-US"/>
           </a:p>
@@ -1958,7 +1958,7 @@
           <a:p>
             <a:fld id="{D997B5FA-0921-464F-AAE1-844C04324D75}" type="datetimeFigureOut">
               <a:rPr lang="zh-CN" altLang="en-US" smtClean="0"/>
-              <a:t>2017/8/22</a:t>
+              <a:t>2017/8/30</a:t>
             </a:fld>
             <a:endParaRPr lang="zh-CN" altLang="en-US"/>
           </a:p>
@@ -2075,7 +2075,7 @@
           <a:p>
             <a:fld id="{D997B5FA-0921-464F-AAE1-844C04324D75}" type="datetimeFigureOut">
               <a:rPr lang="zh-CN" altLang="en-US" smtClean="0"/>
-              <a:t>2017/8/22</a:t>
+              <a:t>2017/8/30</a:t>
             </a:fld>
             <a:endParaRPr lang="zh-CN" altLang="en-US"/>
           </a:p>
@@ -2169,7 +2169,7 @@
           <a:p>
             <a:fld id="{D997B5FA-0921-464F-AAE1-844C04324D75}" type="datetimeFigureOut">
               <a:rPr lang="zh-CN" altLang="en-US" smtClean="0"/>
-              <a:t>2017/8/22</a:t>
+              <a:t>2017/8/30</a:t>
             </a:fld>
             <a:endParaRPr lang="zh-CN" altLang="en-US"/>
           </a:p>
@@ -2445,7 +2445,7 @@
           <a:p>
             <a:fld id="{D997B5FA-0921-464F-AAE1-844C04324D75}" type="datetimeFigureOut">
               <a:rPr lang="zh-CN" altLang="en-US" smtClean="0"/>
-              <a:t>2017/8/22</a:t>
+              <a:t>2017/8/30</a:t>
             </a:fld>
             <a:endParaRPr lang="zh-CN" altLang="en-US"/>
           </a:p>
@@ -2697,7 +2697,7 @@
           <a:p>
             <a:fld id="{D997B5FA-0921-464F-AAE1-844C04324D75}" type="datetimeFigureOut">
               <a:rPr lang="zh-CN" altLang="en-US" smtClean="0"/>
-              <a:t>2017/8/22</a:t>
+              <a:t>2017/8/30</a:t>
             </a:fld>
             <a:endParaRPr lang="zh-CN" altLang="en-US"/>
           </a:p>
@@ -2909,7 +2909,7 @@
           <a:p>
             <a:fld id="{D997B5FA-0921-464F-AAE1-844C04324D75}" type="datetimeFigureOut">
               <a:rPr lang="zh-CN" altLang="en-US" smtClean="0"/>
-              <a:t>2017/8/22</a:t>
+              <a:t>2017/8/30</a:t>
             </a:fld>
             <a:endParaRPr lang="zh-CN" altLang="en-US"/>
           </a:p>
@@ -3809,11 +3809,7 @@
             </a:r>
             <a:r>
               <a:rPr lang="zh-CN" altLang="en-US" dirty="0" smtClean="0"/>
-              <a:t>。</a:t>
-            </a:r>
-            <a:r>
-              <a:rPr lang="zh-CN" altLang="en-US" dirty="0" smtClean="0"/>
-              <a:t>玩家按着包租婆的要求要求去和这些奇葩</a:t>
+              <a:t>。玩家按着包租婆的要求要求去和这些奇葩</a:t>
             </a:r>
             <a:r>
               <a:rPr lang="en-US" altLang="zh-CN" dirty="0" smtClean="0"/>
@@ -3878,7 +3874,23 @@
             </a:r>
             <a:r>
               <a:rPr lang="zh-CN" altLang="en-US" dirty="0" smtClean="0"/>
-              <a:t>公和女主播有些关系（后来发现有一腿）</a:t>
+              <a:t>公</a:t>
+            </a:r>
+            <a:r>
+              <a:rPr lang="zh-CN" altLang="en-US" dirty="0" smtClean="0"/>
+              <a:t>和一女</a:t>
+            </a:r>
+            <a:r>
+              <a:rPr lang="en-US" altLang="zh-CN" dirty="0" smtClean="0"/>
+              <a:t>NPC</a:t>
+            </a:r>
+            <a:r>
+              <a:rPr lang="zh-CN" altLang="en-US" dirty="0" smtClean="0"/>
+              <a:t>有</a:t>
+            </a:r>
+            <a:r>
+              <a:rPr lang="zh-CN" altLang="en-US" dirty="0" smtClean="0"/>
+              <a:t>些关系（后来发现有一腿）</a:t>
             </a:r>
             <a:endParaRPr lang="en-US" altLang="zh-CN" dirty="0" smtClean="0"/>
           </a:p>
